--- a/Robotics_2/Robotics2_Assignment.pptx
+++ b/Robotics_2/Robotics2_Assignment.pptx
@@ -15402,7 +15402,7 @@
         </p:spPr>
         <p:txBody>
           <a:bodyPr spcFirstLastPara="1" wrap="square" lIns="91425" tIns="91425" rIns="91425" bIns="91425" anchor="t" anchorCtr="0">
-            <a:normAutofit lnSpcReduction="10000"/>
+            <a:normAutofit fontScale="92500" lnSpcReduction="10000"/>
           </a:bodyPr>
           <a:lstStyle/>
           <a:p>
@@ -15509,7 +15509,23 @@
                   <a:schemeClr val="lt1"/>
                 </a:solidFill>
               </a:rPr>
-              <a:t>3 D-H Parametric Tables with their labeled Kinematic Diagrams in a graphing paper</a:t>
+              <a:t>3 D-H Parametric Tables with their labeled Kinematic Diagrams in a graphing paper posted </a:t>
+            </a:r>
+            <a:r>
+              <a:rPr lang="en" sz="2100" b="1">
+                <a:solidFill>
+                  <a:schemeClr val="lt1"/>
+                </a:solidFill>
+              </a:rPr>
+              <a:t>in README </a:t>
+            </a:r>
+            <a:r>
+              <a:rPr lang="en" sz="2100" b="1" dirty="0">
+                <a:solidFill>
+                  <a:schemeClr val="lt1"/>
+                </a:solidFill>
+              </a:rPr>
+              <a:t>file in Github</a:t>
             </a:r>
             <a:endParaRPr sz="2100" b="1" dirty="0">
               <a:solidFill>
@@ -15539,11 +15555,29 @@
               </a:rPr>
               <a:t>3 MATLAB scripts created thru laptop/desktop</a:t>
             </a:r>
-            <a:endParaRPr sz="2100" b="1" dirty="0">
-              <a:solidFill>
+          </a:p>
+          <a:p>
+            <a:pPr marL="95250" lvl="0" indent="0" algn="l" rtl="0">
+              <a:spcBef>
+                <a:spcPts val="0"/>
+              </a:spcBef>
+              <a:spcAft>
+                <a:spcPts val="0"/>
+              </a:spcAft>
+              <a:buClr>
                 <a:schemeClr val="lt1"/>
-              </a:solidFill>
-            </a:endParaRPr>
+              </a:buClr>
+              <a:buSzPts val="2100"/>
+              <a:buNone/>
+            </a:pPr>
+            <a:r>
+              <a:rPr lang="en-US" sz="2100" b="1" dirty="0">
+                <a:solidFill>
+                  <a:schemeClr val="lt1"/>
+                </a:solidFill>
+              </a:rPr>
+              <a:t>4. Name your repository in this format.</a:t>
+            </a:r>
           </a:p>
           <a:p>
             <a:pPr marL="95250" lvl="0" indent="0" algn="l" rtl="0">
@@ -15565,7 +15599,7 @@
                   <a:schemeClr val="lt1"/>
                 </a:solidFill>
               </a:rPr>
-              <a:t>4. Name your scripts in this format: Group#_Manipulator</a:t>
+              <a:t>5. Name your scripts in this format: Group#_Manipulator.</a:t>
             </a:r>
             <a:endParaRPr sz="2100" b="1" dirty="0">
               <a:solidFill>
